--- a/Present_100_final.pptx
+++ b/Present_100_final.pptx
@@ -19,9 +19,16 @@
   <p:notesSz cx="6858000" cy="9144000"/>
   <p:embeddedFontLst>
     <p:embeddedFont>
-      <p:font typeface="Kunlasatri" panose="02000000000000000000" pitchFamily="2" charset="0"/>
+      <p:font typeface="Angsana New" pitchFamily="18" charset="-34"/>
       <p:regular r:id="rId11"/>
       <p:bold r:id="rId12"/>
+      <p:italic r:id="rId13"/>
+      <p:boldItalic r:id="rId14"/>
+    </p:embeddedFont>
+    <p:embeddedFont>
+      <p:font typeface="Kunlasatri" charset="0"/>
+      <p:regular r:id="rId15"/>
+      <p:bold r:id="rId16"/>
     </p:embeddedFont>
   </p:embeddedFontLst>
   <p:defaultTextStyle>
@@ -356,7 +363,7 @@
     </p:spTree>
     <p:extLst>
       <p:ext uri="{BB962C8B-B14F-4D97-AF65-F5344CB8AC3E}">
-        <p14:creationId xmlns:p14="http://schemas.microsoft.com/office/powerpoint/2010/main" val="791156302"/>
+        <p14:creationId xmlns:p14="http://schemas.microsoft.com/office/powerpoint/2010/main" xmlns="" val="791156302"/>
       </p:ext>
     </p:extLst>
   </p:cSld>
@@ -552,7 +559,7 @@
     </p:spTree>
     <p:extLst>
       <p:ext uri="{BB962C8B-B14F-4D97-AF65-F5344CB8AC3E}">
-        <p14:creationId xmlns:p14="http://schemas.microsoft.com/office/powerpoint/2010/main" val="956788504"/>
+        <p14:creationId xmlns:p14="http://schemas.microsoft.com/office/powerpoint/2010/main" xmlns="" val="956788504"/>
       </p:ext>
     </p:extLst>
   </p:cSld>
@@ -758,7 +765,7 @@
     </p:spTree>
     <p:extLst>
       <p:ext uri="{BB962C8B-B14F-4D97-AF65-F5344CB8AC3E}">
-        <p14:creationId xmlns:p14="http://schemas.microsoft.com/office/powerpoint/2010/main" val="2180560162"/>
+        <p14:creationId xmlns:p14="http://schemas.microsoft.com/office/powerpoint/2010/main" xmlns="" val="2180560162"/>
       </p:ext>
     </p:extLst>
   </p:cSld>
@@ -954,7 +961,7 @@
     </p:spTree>
     <p:extLst>
       <p:ext uri="{BB962C8B-B14F-4D97-AF65-F5344CB8AC3E}">
-        <p14:creationId xmlns:p14="http://schemas.microsoft.com/office/powerpoint/2010/main" val="1275285871"/>
+        <p14:creationId xmlns:p14="http://schemas.microsoft.com/office/powerpoint/2010/main" xmlns="" val="1275285871"/>
       </p:ext>
     </p:extLst>
   </p:cSld>
@@ -1172,7 +1179,7 @@
     </p:spTree>
     <p:extLst>
       <p:ext uri="{BB962C8B-B14F-4D97-AF65-F5344CB8AC3E}">
-        <p14:creationId xmlns:p14="http://schemas.microsoft.com/office/powerpoint/2010/main" val="4219363202"/>
+        <p14:creationId xmlns:p14="http://schemas.microsoft.com/office/powerpoint/2010/main" xmlns="" val="4219363202"/>
       </p:ext>
     </p:extLst>
   </p:cSld>
@@ -1486,7 +1493,7 @@
     </p:spTree>
     <p:extLst>
       <p:ext uri="{BB962C8B-B14F-4D97-AF65-F5344CB8AC3E}">
-        <p14:creationId xmlns:p14="http://schemas.microsoft.com/office/powerpoint/2010/main" val="1118787398"/>
+        <p14:creationId xmlns:p14="http://schemas.microsoft.com/office/powerpoint/2010/main" xmlns="" val="1118787398"/>
       </p:ext>
     </p:extLst>
   </p:cSld>
@@ -1934,7 +1941,7 @@
     </p:spTree>
     <p:extLst>
       <p:ext uri="{BB962C8B-B14F-4D97-AF65-F5344CB8AC3E}">
-        <p14:creationId xmlns:p14="http://schemas.microsoft.com/office/powerpoint/2010/main" val="774978692"/>
+        <p14:creationId xmlns:p14="http://schemas.microsoft.com/office/powerpoint/2010/main" xmlns="" val="774978692"/>
       </p:ext>
     </p:extLst>
   </p:cSld>
@@ -2078,7 +2085,7 @@
     </p:spTree>
     <p:extLst>
       <p:ext uri="{BB962C8B-B14F-4D97-AF65-F5344CB8AC3E}">
-        <p14:creationId xmlns:p14="http://schemas.microsoft.com/office/powerpoint/2010/main" val="1511163819"/>
+        <p14:creationId xmlns:p14="http://schemas.microsoft.com/office/powerpoint/2010/main" xmlns="" val="1511163819"/>
       </p:ext>
     </p:extLst>
   </p:cSld>
@@ -2199,7 +2206,7 @@
     </p:spTree>
     <p:extLst>
       <p:ext uri="{BB962C8B-B14F-4D97-AF65-F5344CB8AC3E}">
-        <p14:creationId xmlns:p14="http://schemas.microsoft.com/office/powerpoint/2010/main" val="4085139131"/>
+        <p14:creationId xmlns:p14="http://schemas.microsoft.com/office/powerpoint/2010/main" xmlns="" val="4085139131"/>
       </p:ext>
     </p:extLst>
   </p:cSld>
@@ -2502,7 +2509,7 @@
     </p:spTree>
     <p:extLst>
       <p:ext uri="{BB962C8B-B14F-4D97-AF65-F5344CB8AC3E}">
-        <p14:creationId xmlns:p14="http://schemas.microsoft.com/office/powerpoint/2010/main" val="2751082215"/>
+        <p14:creationId xmlns:p14="http://schemas.microsoft.com/office/powerpoint/2010/main" xmlns="" val="2751082215"/>
       </p:ext>
     </p:extLst>
   </p:cSld>
@@ -2782,7 +2789,7 @@
     </p:spTree>
     <p:extLst>
       <p:ext uri="{BB962C8B-B14F-4D97-AF65-F5344CB8AC3E}">
-        <p14:creationId xmlns:p14="http://schemas.microsoft.com/office/powerpoint/2010/main" val="1998671561"/>
+        <p14:creationId xmlns:p14="http://schemas.microsoft.com/office/powerpoint/2010/main" xmlns="" val="1998671561"/>
       </p:ext>
     </p:extLst>
   </p:cSld>
@@ -2798,7 +2805,7 @@
     <p:bg>
       <p:bgPr>
         <a:blipFill dpi="0" rotWithShape="0">
-          <a:blip r:embed="rId13"/>
+          <a:blip r:embed="rId13" cstate="print"/>
           <a:srcRect/>
           <a:stretch>
             <a:fillRect/>
@@ -2845,14 +2852,14 @@
           </a:ln>
           <a:extLst>
             <a:ext uri="{909E8E84-426E-40DD-AFC4-6F175D3DCCD1}">
-              <a14:hiddenFill xmlns:a14="http://schemas.microsoft.com/office/drawing/2010/main">
+              <a14:hiddenFill xmlns:a14="http://schemas.microsoft.com/office/drawing/2010/main" xmlns="">
                 <a:solidFill>
                   <a:srgbClr val="FFFFFF"/>
                 </a:solidFill>
               </a14:hiddenFill>
             </a:ext>
             <a:ext uri="{91240B29-F687-4F45-9708-019B960494DF}">
-              <a14:hiddenLine xmlns:a14="http://schemas.microsoft.com/office/drawing/2010/main" w="9525">
+              <a14:hiddenLine xmlns:a14="http://schemas.microsoft.com/office/drawing/2010/main" xmlns="" w="9525">
                 <a:solidFill>
                   <a:srgbClr val="000000"/>
                 </a:solidFill>
@@ -2903,14 +2910,14 @@
           </a:ln>
           <a:extLst>
             <a:ext uri="{909E8E84-426E-40DD-AFC4-6F175D3DCCD1}">
-              <a14:hiddenFill xmlns:a14="http://schemas.microsoft.com/office/drawing/2010/main">
+              <a14:hiddenFill xmlns:a14="http://schemas.microsoft.com/office/drawing/2010/main" xmlns="">
                 <a:solidFill>
                   <a:srgbClr val="FFFFFF"/>
                 </a:solidFill>
               </a14:hiddenFill>
             </a:ext>
             <a:ext uri="{91240B29-F687-4F45-9708-019B960494DF}">
-              <a14:hiddenLine xmlns:a14="http://schemas.microsoft.com/office/drawing/2010/main" w="9525">
+              <a14:hiddenLine xmlns:a14="http://schemas.microsoft.com/office/drawing/2010/main" xmlns="" w="9525">
                 <a:solidFill>
                   <a:srgbClr val="000000"/>
                 </a:solidFill>
@@ -3517,7 +3524,7 @@
     <p:bg>
       <p:bgPr>
         <a:blipFill dpi="0" rotWithShape="0">
-          <a:blip r:embed="rId2"/>
+          <a:blip r:embed="rId2" cstate="print"/>
           <a:srcRect/>
           <a:stretch>
             <a:fillRect/>
@@ -4157,13 +4164,20 @@
     </p:spTree>
     <p:extLst>
       <p:ext uri="{BB962C8B-B14F-4D97-AF65-F5344CB8AC3E}">
-        <p14:creationId xmlns:p14="http://schemas.microsoft.com/office/powerpoint/2010/main" val="1097989472"/>
+        <p14:creationId xmlns:p14="http://schemas.microsoft.com/office/powerpoint/2010/main" xmlns="" val="1097989472"/>
       </p:ext>
     </p:extLst>
   </p:cSld>
   <p:clrMapOvr>
     <a:masterClrMapping/>
   </p:clrMapOvr>
+  <p:timing>
+    <p:tnLst>
+      <p:par>
+        <p:cTn id="1" dur="indefinite" restart="never" nodeType="tmRoot"/>
+      </p:par>
+    </p:tnLst>
+  </p:timing>
 </p:sld>
 </file>
 
@@ -4476,13 +4490,20 @@
     </p:spTree>
     <p:extLst>
       <p:ext uri="{BB962C8B-B14F-4D97-AF65-F5344CB8AC3E}">
-        <p14:creationId xmlns:p14="http://schemas.microsoft.com/office/powerpoint/2010/main" val="2800368261"/>
+        <p14:creationId xmlns:p14="http://schemas.microsoft.com/office/powerpoint/2010/main" xmlns="" val="2800368261"/>
       </p:ext>
     </p:extLst>
   </p:cSld>
   <p:clrMapOvr>
     <a:masterClrMapping/>
   </p:clrMapOvr>
+  <p:timing>
+    <p:tnLst>
+      <p:par>
+        <p:cTn id="1" dur="indefinite" restart="never" nodeType="tmRoot"/>
+      </p:par>
+    </p:tnLst>
+  </p:timing>
 </p:sld>
 </file>
 
@@ -4561,10 +4582,10 @@
           </p:nvPr>
         </p:nvPicPr>
         <p:blipFill>
-          <a:blip r:embed="rId2">
+          <a:blip r:embed="rId2" cstate="print">
             <a:extLst>
               <a:ext uri="{28A0092B-C50C-407E-A947-70E740481C1C}">
-                <a14:useLocalDpi xmlns:a14="http://schemas.microsoft.com/office/drawing/2010/main" val="0"/>
+                <a14:useLocalDpi xmlns:a14="http://schemas.microsoft.com/office/drawing/2010/main" xmlns="" val="0"/>
               </a:ext>
             </a:extLst>
           </a:blip>
@@ -4588,10 +4609,10 @@
           <p:nvPr/>
         </p:nvPicPr>
         <p:blipFill>
-          <a:blip r:embed="rId3">
+          <a:blip r:embed="rId3" cstate="print">
             <a:extLst>
               <a:ext uri="{28A0092B-C50C-407E-A947-70E740481C1C}">
-                <a14:useLocalDpi xmlns:a14="http://schemas.microsoft.com/office/drawing/2010/main" val="0"/>
+                <a14:useLocalDpi xmlns:a14="http://schemas.microsoft.com/office/drawing/2010/main" xmlns="" val="0"/>
               </a:ext>
             </a:extLst>
           </a:blip>
@@ -4618,10 +4639,10 @@
           <p:nvPr/>
         </p:nvPicPr>
         <p:blipFill>
-          <a:blip r:embed="rId4">
+          <a:blip r:embed="rId4" cstate="print">
             <a:extLst>
               <a:ext uri="{28A0092B-C50C-407E-A947-70E740481C1C}">
-                <a14:useLocalDpi xmlns:a14="http://schemas.microsoft.com/office/drawing/2010/main" val="0"/>
+                <a14:useLocalDpi xmlns:a14="http://schemas.microsoft.com/office/drawing/2010/main" xmlns="" val="0"/>
               </a:ext>
             </a:extLst>
           </a:blip>
@@ -4648,10 +4669,10 @@
           <p:nvPr/>
         </p:nvPicPr>
         <p:blipFill>
-          <a:blip r:embed="rId5">
+          <a:blip r:embed="rId5" cstate="print">
             <a:extLst>
               <a:ext uri="{28A0092B-C50C-407E-A947-70E740481C1C}">
-                <a14:useLocalDpi xmlns:a14="http://schemas.microsoft.com/office/drawing/2010/main" val="0"/>
+                <a14:useLocalDpi xmlns:a14="http://schemas.microsoft.com/office/drawing/2010/main" xmlns="" val="0"/>
               </a:ext>
             </a:extLst>
           </a:blip>
@@ -4678,10 +4699,10 @@
           <p:nvPr/>
         </p:nvPicPr>
         <p:blipFill>
-          <a:blip r:embed="rId6">
+          <a:blip r:embed="rId6" cstate="print">
             <a:extLst>
               <a:ext uri="{28A0092B-C50C-407E-A947-70E740481C1C}">
-                <a14:useLocalDpi xmlns:a14="http://schemas.microsoft.com/office/drawing/2010/main" val="0"/>
+                <a14:useLocalDpi xmlns:a14="http://schemas.microsoft.com/office/drawing/2010/main" xmlns="" val="0"/>
               </a:ext>
             </a:extLst>
           </a:blip>
@@ -4963,7 +4984,7 @@
     </p:spTree>
     <p:extLst>
       <p:ext uri="{BB962C8B-B14F-4D97-AF65-F5344CB8AC3E}">
-        <p14:creationId xmlns:p14="http://schemas.microsoft.com/office/powerpoint/2010/main" val="1252800777"/>
+        <p14:creationId xmlns:p14="http://schemas.microsoft.com/office/powerpoint/2010/main" xmlns="" val="1252800777"/>
       </p:ext>
     </p:extLst>
   </p:cSld>
@@ -5004,7 +5025,7 @@
                                           </p:stCondLst>
                                         </p:cTn>
                                         <p:tgtEl>
-                                          <p:spTgt spid="4"/>
+                                          <p:spTgt spid="5"/>
                                         </p:tgtEl>
                                         <p:attrNameLst>
                                           <p:attrName>style.visibility</p:attrName>
@@ -5018,7 +5039,7 @@
                                       <p:cBhvr>
                                         <p:cTn id="7" dur="500"/>
                                         <p:tgtEl>
-                                          <p:spTgt spid="4"/>
+                                          <p:spTgt spid="5"/>
                                         </p:tgtEl>
                                       </p:cBhvr>
                                     </p:animEffect>
@@ -5044,7 +5065,7 @@
                             </p:stCondLst>
                             <p:childTnLst>
                               <p:par>
-                                <p:cTn id="10" presetID="14" presetClass="entr" presetSubtype="10" fill="hold" grpId="0" nodeType="clickEffect">
+                                <p:cTn id="10" presetID="14" presetClass="entr" presetSubtype="10" fill="hold" nodeType="clickEffect">
                                   <p:stCondLst>
                                     <p:cond delay="0"/>
                                   </p:stCondLst>
@@ -5057,7 +5078,7 @@
                                           </p:stCondLst>
                                         </p:cTn>
                                         <p:tgtEl>
-                                          <p:spTgt spid="46"/>
+                                          <p:spTgt spid="4"/>
                                         </p:tgtEl>
                                         <p:attrNameLst>
                                           <p:attrName>style.visibility</p:attrName>
@@ -5071,7 +5092,7 @@
                                       <p:cBhvr>
                                         <p:cTn id="12" dur="500"/>
                                         <p:tgtEl>
-                                          <p:spTgt spid="46"/>
+                                          <p:spTgt spid="4"/>
                                         </p:tgtEl>
                                       </p:cBhvr>
                                     </p:animEffect>
@@ -5097,7 +5118,7 @@
                             </p:stCondLst>
                             <p:childTnLst>
                               <p:par>
-                                <p:cTn id="15" presetID="14" presetClass="entr" presetSubtype="10" fill="hold" nodeType="clickEffect">
+                                <p:cTn id="15" presetID="14" presetClass="entr" presetSubtype="10" fill="hold" grpId="0" nodeType="clickEffect">
                                   <p:stCondLst>
                                     <p:cond delay="0"/>
                                   </p:stCondLst>
@@ -5110,7 +5131,7 @@
                                           </p:stCondLst>
                                         </p:cTn>
                                         <p:tgtEl>
-                                          <p:spTgt spid="5"/>
+                                          <p:spTgt spid="46"/>
                                         </p:tgtEl>
                                         <p:attrNameLst>
                                           <p:attrName>style.visibility</p:attrName>
@@ -5124,7 +5145,7 @@
                                       <p:cBhvr>
                                         <p:cTn id="17" dur="500"/>
                                         <p:tgtEl>
-                                          <p:spTgt spid="5"/>
+                                          <p:spTgt spid="46"/>
                                         </p:tgtEl>
                                       </p:cBhvr>
                                     </p:animEffect>
@@ -5600,7 +5621,7 @@
     </p:spTree>
     <p:extLst>
       <p:ext uri="{BB962C8B-B14F-4D97-AF65-F5344CB8AC3E}">
-        <p14:creationId xmlns:p14="http://schemas.microsoft.com/office/powerpoint/2010/main" val="1915381620"/>
+        <p14:creationId xmlns:p14="http://schemas.microsoft.com/office/powerpoint/2010/main" xmlns="" val="1915381620"/>
       </p:ext>
     </p:extLst>
   </p:cSld>
@@ -5790,7 +5811,7 @@
     </p:spTree>
     <p:extLst>
       <p:ext uri="{BB962C8B-B14F-4D97-AF65-F5344CB8AC3E}">
-        <p14:creationId xmlns:p14="http://schemas.microsoft.com/office/powerpoint/2010/main" val="4291091043"/>
+        <p14:creationId xmlns:p14="http://schemas.microsoft.com/office/powerpoint/2010/main" xmlns="" val="4291091043"/>
       </p:ext>
     </p:extLst>
   </p:cSld>
@@ -5949,13 +5970,20 @@
     </p:spTree>
     <p:extLst>
       <p:ext uri="{BB962C8B-B14F-4D97-AF65-F5344CB8AC3E}">
-        <p14:creationId xmlns:p14="http://schemas.microsoft.com/office/powerpoint/2010/main" val="458926525"/>
+        <p14:creationId xmlns:p14="http://schemas.microsoft.com/office/powerpoint/2010/main" xmlns="" val="458926525"/>
       </p:ext>
     </p:extLst>
   </p:cSld>
   <p:clrMapOvr>
     <a:masterClrMapping/>
   </p:clrMapOvr>
+  <p:timing>
+    <p:tnLst>
+      <p:par>
+        <p:cTn id="1" dur="indefinite" restart="never" nodeType="tmRoot"/>
+      </p:par>
+    </p:tnLst>
+  </p:timing>
 </p:sld>
 </file>
 
@@ -6077,50 +6105,8 @@
                 <a:latin typeface="Kunlasatri" panose="02000000000000000000" pitchFamily="2" charset="0"/>
                 <a:cs typeface="Kunlasatri" panose="02000000000000000000" pitchFamily="2" charset="0"/>
               </a:rPr>
-              <a:t>ขอบ</a:t>
-            </a:r>
-            <a:r>
-              <a:rPr lang="th-TH" sz="7200" b="1" dirty="0" smtClean="0">
-                <a:solidFill>
-                  <a:srgbClr val="404040"/>
-                </a:solidFill>
-                <a:effectLst>
-                  <a:outerShdw blurRad="38100" dist="38100" dir="2700000" algn="tl">
-                    <a:srgbClr val="C0C0C0"/>
-                  </a:outerShdw>
-                </a:effectLst>
-                <a:latin typeface="Kunlasatri" panose="02000000000000000000" pitchFamily="2" charset="0"/>
-                <a:cs typeface="Kunlasatri" panose="02000000000000000000" pitchFamily="2" charset="0"/>
-              </a:rPr>
-              <a:t>คุณค</a:t>
-            </a:r>
-            <a:r>
-              <a:rPr lang="th-TH" sz="7200" b="1" dirty="0" smtClean="0">
-                <a:solidFill>
-                  <a:srgbClr val="404040"/>
-                </a:solidFill>
-                <a:effectLst>
-                  <a:outerShdw blurRad="38100" dist="38100" dir="2700000" algn="tl">
-                    <a:srgbClr val="C0C0C0"/>
-                  </a:outerShdw>
-                </a:effectLst>
-                <a:latin typeface="Kunlasatri" panose="02000000000000000000" pitchFamily="2" charset="0"/>
-                <a:cs typeface="Kunlasatri" panose="02000000000000000000" pitchFamily="2" charset="0"/>
-              </a:rPr>
-              <a:t>่ะ</a:t>
-            </a:r>
-            <a:endParaRPr lang="th-TH" sz="7200" b="1" dirty="0" smtClean="0">
-              <a:solidFill>
-                <a:srgbClr val="404040"/>
-              </a:solidFill>
-              <a:effectLst>
-                <a:outerShdw blurRad="38100" dist="38100" dir="2700000" algn="tl">
-                  <a:srgbClr val="C0C0C0"/>
-                </a:outerShdw>
-              </a:effectLst>
-              <a:latin typeface="Kunlasatri" panose="02000000000000000000" pitchFamily="2" charset="0"/>
-              <a:cs typeface="Kunlasatri" panose="02000000000000000000" pitchFamily="2" charset="0"/>
-            </a:endParaRPr>
+              <a:t>ขอบคุณค่ะ</a:t>
+            </a:r>
           </a:p>
           <a:p>
             <a:pPr algn="ctr" eaLnBrk="1" hangingPunct="1">
